--- a/StateSpaceDesign/Lecture22/pictures/figures.pptx
+++ b/StateSpaceDesign/Lecture22/pictures/figures.pptx
@@ -288,6 +288,7 @@
           <a:p>
             <a:fld id="{6290B31C-747F-5B49-9FFA-72C1BAFA6F07}" type="datetimeFigureOut">
               <a:rPr lang="en-US" smtClean="0"/>
+              <a:pPr/>
               <a:t>2/14/10</a:t>
             </a:fld>
             <a:endParaRPr lang="en-US"/>
@@ -330,6 +331,7 @@
           <a:p>
             <a:fld id="{0193D69D-6EB2-6848-B7C9-0E9CE8F853B0}" type="slidenum">
               <a:rPr lang="en-US" smtClean="0"/>
+              <a:pPr/>
               <a:t>‹#›</a:t>
             </a:fld>
             <a:endParaRPr lang="en-US"/>
@@ -453,6 +455,7 @@
           <a:p>
             <a:fld id="{6290B31C-747F-5B49-9FFA-72C1BAFA6F07}" type="datetimeFigureOut">
               <a:rPr lang="en-US" smtClean="0"/>
+              <a:pPr/>
               <a:t>2/14/10</a:t>
             </a:fld>
             <a:endParaRPr lang="en-US"/>
@@ -495,6 +498,7 @@
           <a:p>
             <a:fld id="{0193D69D-6EB2-6848-B7C9-0E9CE8F853B0}" type="slidenum">
               <a:rPr lang="en-US" smtClean="0"/>
+              <a:pPr/>
               <a:t>‹#›</a:t>
             </a:fld>
             <a:endParaRPr lang="en-US"/>
@@ -628,6 +632,7 @@
           <a:p>
             <a:fld id="{6290B31C-747F-5B49-9FFA-72C1BAFA6F07}" type="datetimeFigureOut">
               <a:rPr lang="en-US" smtClean="0"/>
+              <a:pPr/>
               <a:t>2/14/10</a:t>
             </a:fld>
             <a:endParaRPr lang="en-US"/>
@@ -670,6 +675,7 @@
           <a:p>
             <a:fld id="{0193D69D-6EB2-6848-B7C9-0E9CE8F853B0}" type="slidenum">
               <a:rPr lang="en-US" smtClean="0"/>
+              <a:pPr/>
               <a:t>‹#›</a:t>
             </a:fld>
             <a:endParaRPr lang="en-US"/>
@@ -793,6 +799,7 @@
           <a:p>
             <a:fld id="{6290B31C-747F-5B49-9FFA-72C1BAFA6F07}" type="datetimeFigureOut">
               <a:rPr lang="en-US" smtClean="0"/>
+              <a:pPr/>
               <a:t>2/14/10</a:t>
             </a:fld>
             <a:endParaRPr lang="en-US"/>
@@ -835,6 +842,7 @@
           <a:p>
             <a:fld id="{0193D69D-6EB2-6848-B7C9-0E9CE8F853B0}" type="slidenum">
               <a:rPr lang="en-US" smtClean="0"/>
+              <a:pPr/>
               <a:t>‹#›</a:t>
             </a:fld>
             <a:endParaRPr lang="en-US"/>
@@ -1034,6 +1042,7 @@
           <a:p>
             <a:fld id="{6290B31C-747F-5B49-9FFA-72C1BAFA6F07}" type="datetimeFigureOut">
               <a:rPr lang="en-US" smtClean="0"/>
+              <a:pPr/>
               <a:t>2/14/10</a:t>
             </a:fld>
             <a:endParaRPr lang="en-US"/>
@@ -1076,6 +1085,7 @@
           <a:p>
             <a:fld id="{0193D69D-6EB2-6848-B7C9-0E9CE8F853B0}" type="slidenum">
               <a:rPr lang="en-US" smtClean="0"/>
+              <a:pPr/>
               <a:t>‹#›</a:t>
             </a:fld>
             <a:endParaRPr lang="en-US"/>
@@ -1317,6 +1327,7 @@
           <a:p>
             <a:fld id="{6290B31C-747F-5B49-9FFA-72C1BAFA6F07}" type="datetimeFigureOut">
               <a:rPr lang="en-US" smtClean="0"/>
+              <a:pPr/>
               <a:t>2/14/10</a:t>
             </a:fld>
             <a:endParaRPr lang="en-US"/>
@@ -1359,6 +1370,7 @@
           <a:p>
             <a:fld id="{0193D69D-6EB2-6848-B7C9-0E9CE8F853B0}" type="slidenum">
               <a:rPr lang="en-US" smtClean="0"/>
+              <a:pPr/>
               <a:t>‹#›</a:t>
             </a:fld>
             <a:endParaRPr lang="en-US"/>
@@ -1734,6 +1746,7 @@
           <a:p>
             <a:fld id="{6290B31C-747F-5B49-9FFA-72C1BAFA6F07}" type="datetimeFigureOut">
               <a:rPr lang="en-US" smtClean="0"/>
+              <a:pPr/>
               <a:t>2/14/10</a:t>
             </a:fld>
             <a:endParaRPr lang="en-US"/>
@@ -1776,6 +1789,7 @@
           <a:p>
             <a:fld id="{0193D69D-6EB2-6848-B7C9-0E9CE8F853B0}" type="slidenum">
               <a:rPr lang="en-US" smtClean="0"/>
+              <a:pPr/>
               <a:t>‹#›</a:t>
             </a:fld>
             <a:endParaRPr lang="en-US"/>
@@ -1847,6 +1861,7 @@
           <a:p>
             <a:fld id="{6290B31C-747F-5B49-9FFA-72C1BAFA6F07}" type="datetimeFigureOut">
               <a:rPr lang="en-US" smtClean="0"/>
+              <a:pPr/>
               <a:t>2/14/10</a:t>
             </a:fld>
             <a:endParaRPr lang="en-US"/>
@@ -1889,6 +1904,7 @@
           <a:p>
             <a:fld id="{0193D69D-6EB2-6848-B7C9-0E9CE8F853B0}" type="slidenum">
               <a:rPr lang="en-US" smtClean="0"/>
+              <a:pPr/>
               <a:t>‹#›</a:t>
             </a:fld>
             <a:endParaRPr lang="en-US"/>
@@ -1937,6 +1953,7 @@
           <a:p>
             <a:fld id="{6290B31C-747F-5B49-9FFA-72C1BAFA6F07}" type="datetimeFigureOut">
               <a:rPr lang="en-US" smtClean="0"/>
+              <a:pPr/>
               <a:t>2/14/10</a:t>
             </a:fld>
             <a:endParaRPr lang="en-US"/>
@@ -1979,6 +1996,7 @@
           <a:p>
             <a:fld id="{0193D69D-6EB2-6848-B7C9-0E9CE8F853B0}" type="slidenum">
               <a:rPr lang="en-US" smtClean="0"/>
+              <a:pPr/>
               <a:t>‹#›</a:t>
             </a:fld>
             <a:endParaRPr lang="en-US"/>
@@ -2209,6 +2227,7 @@
           <a:p>
             <a:fld id="{6290B31C-747F-5B49-9FFA-72C1BAFA6F07}" type="datetimeFigureOut">
               <a:rPr lang="en-US" smtClean="0"/>
+              <a:pPr/>
               <a:t>2/14/10</a:t>
             </a:fld>
             <a:endParaRPr lang="en-US"/>
@@ -2251,6 +2270,7 @@
           <a:p>
             <a:fld id="{0193D69D-6EB2-6848-B7C9-0E9CE8F853B0}" type="slidenum">
               <a:rPr lang="en-US" smtClean="0"/>
+              <a:pPr/>
               <a:t>‹#›</a:t>
             </a:fld>
             <a:endParaRPr lang="en-US"/>
@@ -2457,6 +2477,7 @@
           <a:p>
             <a:fld id="{6290B31C-747F-5B49-9FFA-72C1BAFA6F07}" type="datetimeFigureOut">
               <a:rPr lang="en-US" smtClean="0"/>
+              <a:pPr/>
               <a:t>2/14/10</a:t>
             </a:fld>
             <a:endParaRPr lang="en-US"/>
@@ -2499,6 +2520,7 @@
           <a:p>
             <a:fld id="{0193D69D-6EB2-6848-B7C9-0E9CE8F853B0}" type="slidenum">
               <a:rPr lang="en-US" smtClean="0"/>
+              <a:pPr/>
               <a:t>‹#›</a:t>
             </a:fld>
             <a:endParaRPr lang="en-US"/>
@@ -2665,6 +2687,7 @@
           <a:p>
             <a:fld id="{6290B31C-747F-5B49-9FFA-72C1BAFA6F07}" type="datetimeFigureOut">
               <a:rPr lang="en-US" smtClean="0"/>
+              <a:pPr/>
               <a:t>2/14/10</a:t>
             </a:fld>
             <a:endParaRPr lang="en-US"/>
@@ -2743,6 +2766,7 @@
           <a:p>
             <a:fld id="{0193D69D-6EB2-6848-B7C9-0E9CE8F853B0}" type="slidenum">
               <a:rPr lang="en-US" smtClean="0"/>
+              <a:pPr/>
               <a:t>‹#›</a:t>
             </a:fld>
             <a:endParaRPr lang="en-US"/>
@@ -5444,26 +5468,6 @@
           </a:p>
         </p:txBody>
       </p:sp>
-      <p:graphicFrame>
-        <p:nvGraphicFramePr>
-          <p:cNvPr id="91" name="Object 90"/>
-          <p:cNvGraphicFramePr>
-            <a:graphicFrameLocks noChangeAspect="1"/>
-          </p:cNvGraphicFramePr>
-          <p:nvPr/>
-        </p:nvGraphicFramePr>
-        <p:xfrm>
-          <a:off x="8940233" y="4370467"/>
-          <a:ext cx="114300" cy="165100"/>
-        </p:xfrm>
-        <a:graphic>
-          <a:graphicData uri="http://schemas.openxmlformats.org/presentationml/2006/ole">
-            <p:oleObj spid="_x0000_s3152" name="Equation" r:id="rId28" imgW="114300" imgH="165100" progId="Equation.DSMT4">
-              <p:embed/>
-            </p:oleObj>
-          </a:graphicData>
-        </a:graphic>
-      </p:graphicFrame>
       <p:cxnSp>
         <p:nvCxnSpPr>
           <p:cNvPr id="94" name="Straight Arrow Connector 93"/>
